--- a/Sunum/arka-plan-kaldirma.pptx
+++ b/Sunum/arka-plan-kaldirma.pptx
@@ -20,6 +20,11 @@
     <p:sldId id="269" r:id="rId14"/>
     <p:sldId id="270" r:id="rId15"/>
     <p:sldId id="271" r:id="rId16"/>
+    <p:sldId id="272" r:id="rId17"/>
+    <p:sldId id="273" r:id="rId18"/>
+    <p:sldId id="274" r:id="rId19"/>
+    <p:sldId id="275" r:id="rId20"/>
+    <p:sldId id="276" r:id="rId21"/>
   </p:sldIdLst>
   <p:sldSz cx="12192000" cy="6858000"/>
   <p:notesSz cx="6858000" cy="9144000"/>
@@ -118,6 +123,11 @@
       </a:defRPr>
     </a:lvl9pPr>
   </p:defaultTextStyle>
+  <p:extLst>
+    <p:ext uri="{EFAFB233-063F-42B5-8137-9DF3F51BA10A}">
+      <p15:sldGuideLst xmlns:p15="http://schemas.microsoft.com/office/powerpoint/2012/main"/>
+    </p:ext>
+  </p:extLst>
 </p:presentation>
 </file>
 
@@ -309,7 +319,7 @@
           <a:p>
             <a:fld id="{62D6E202-B606-4609-B914-27C9371A1F6D}" type="datetime1">
               <a:rPr lang="en-US" smtClean="0"/>
-              <a:t>4/27/2025</a:t>
+              <a:t>5/5/2025</a:t>
             </a:fld>
             <a:endParaRPr lang="en-US" dirty="0"/>
           </a:p>
@@ -648,7 +658,7 @@
           <a:p>
             <a:fld id="{62D6E202-B606-4609-B914-27C9371A1F6D}" type="datetime1">
               <a:rPr lang="en-US" smtClean="0"/>
-              <a:t>4/27/2025</a:t>
+              <a:t>5/5/2025</a:t>
             </a:fld>
             <a:endParaRPr lang="en-US" dirty="0"/>
           </a:p>
@@ -1050,7 +1060,7 @@
           <a:p>
             <a:fld id="{62D6E202-B606-4609-B914-27C9371A1F6D}" type="datetime1">
               <a:rPr lang="en-US" smtClean="0"/>
-              <a:t>4/27/2025</a:t>
+              <a:t>5/5/2025</a:t>
             </a:fld>
             <a:endParaRPr lang="en-US" dirty="0"/>
           </a:p>
@@ -1387,7 +1397,7 @@
           <a:p>
             <a:fld id="{62D6E202-B606-4609-B914-27C9371A1F6D}" type="datetime1">
               <a:rPr lang="en-US" smtClean="0"/>
-              <a:t>4/27/2025</a:t>
+              <a:t>5/5/2025</a:t>
             </a:fld>
             <a:endParaRPr lang="en-US" dirty="0"/>
           </a:p>
@@ -1708,7 +1718,7 @@
           <a:p>
             <a:fld id="{62D6E202-B606-4609-B914-27C9371A1F6D}" type="datetime1">
               <a:rPr lang="en-US" smtClean="0"/>
-              <a:t>4/27/2025</a:t>
+              <a:t>5/5/2025</a:t>
             </a:fld>
             <a:endParaRPr lang="en-US" dirty="0"/>
           </a:p>
@@ -2105,7 +2115,7 @@
           <a:p>
             <a:fld id="{62D6E202-B606-4609-B914-27C9371A1F6D}" type="datetime1">
               <a:rPr lang="en-US" smtClean="0"/>
-              <a:t>4/27/2025</a:t>
+              <a:t>5/5/2025</a:t>
             </a:fld>
             <a:endParaRPr lang="en-US" dirty="0"/>
           </a:p>
@@ -2363,7 +2373,7 @@
           <a:p>
             <a:fld id="{62D6E202-B606-4609-B914-27C9371A1F6D}" type="datetime1">
               <a:rPr lang="en-US" smtClean="0"/>
-              <a:t>4/27/2025</a:t>
+              <a:t>5/5/2025</a:t>
             </a:fld>
             <a:endParaRPr lang="en-US" dirty="0"/>
           </a:p>
@@ -2626,7 +2636,7 @@
           <a:p>
             <a:fld id="{62D6E202-B606-4609-B914-27C9371A1F6D}" type="datetime1">
               <a:rPr lang="en-US" smtClean="0"/>
-              <a:t>4/27/2025</a:t>
+              <a:t>5/5/2025</a:t>
             </a:fld>
             <a:endParaRPr lang="en-US" dirty="0"/>
           </a:p>
@@ -2889,7 +2899,7 @@
           <a:p>
             <a:fld id="{62D6E202-B606-4609-B914-27C9371A1F6D}" type="datetime1">
               <a:rPr lang="en-US" smtClean="0"/>
-              <a:t>4/27/2025</a:t>
+              <a:t>5/5/2025</a:t>
             </a:fld>
             <a:endParaRPr lang="en-US" dirty="0"/>
           </a:p>
@@ -3219,7 +3229,7 @@
           <a:p>
             <a:fld id="{62D6E202-B606-4609-B914-27C9371A1F6D}" type="datetime1">
               <a:rPr lang="en-US" smtClean="0"/>
-              <a:t>4/27/2025</a:t>
+              <a:t>5/5/2025</a:t>
             </a:fld>
             <a:endParaRPr lang="en-US" dirty="0"/>
           </a:p>
@@ -3543,7 +3553,7 @@
           <a:p>
             <a:fld id="{62D6E202-B606-4609-B914-27C9371A1F6D}" type="datetime1">
               <a:rPr lang="en-US" smtClean="0"/>
-              <a:t>4/27/2025</a:t>
+              <a:t>5/5/2025</a:t>
             </a:fld>
             <a:endParaRPr lang="en-US" dirty="0"/>
           </a:p>
@@ -4001,7 +4011,7 @@
           <a:p>
             <a:fld id="{62D6E202-B606-4609-B914-27C9371A1F6D}" type="datetime1">
               <a:rPr lang="en-US" smtClean="0"/>
-              <a:t>4/27/2025</a:t>
+              <a:t>5/5/2025</a:t>
             </a:fld>
             <a:endParaRPr lang="en-US" dirty="0"/>
           </a:p>
@@ -4207,7 +4217,7 @@
           <a:p>
             <a:fld id="{62D6E202-B606-4609-B914-27C9371A1F6D}" type="datetime1">
               <a:rPr lang="en-US" smtClean="0"/>
-              <a:t>4/27/2025</a:t>
+              <a:t>5/5/2025</a:t>
             </a:fld>
             <a:endParaRPr lang="en-US" dirty="0"/>
           </a:p>
@@ -4385,7 +4395,7 @@
           <a:p>
             <a:fld id="{62D6E202-B606-4609-B914-27C9371A1F6D}" type="datetime1">
               <a:rPr lang="en-US" smtClean="0"/>
-              <a:t>4/27/2025</a:t>
+              <a:t>5/5/2025</a:t>
             </a:fld>
             <a:endParaRPr lang="en-US" dirty="0"/>
           </a:p>
@@ -4719,7 +4729,7 @@
           <a:p>
             <a:fld id="{62D6E202-B606-4609-B914-27C9371A1F6D}" type="datetime1">
               <a:rPr lang="en-US" smtClean="0"/>
-              <a:t>4/27/2025</a:t>
+              <a:t>5/5/2025</a:t>
             </a:fld>
             <a:endParaRPr lang="en-US" dirty="0"/>
           </a:p>
@@ -5065,7 +5075,7 @@
           <a:p>
             <a:fld id="{62D6E202-B606-4609-B914-27C9371A1F6D}" type="datetime1">
               <a:rPr lang="en-US" smtClean="0"/>
-              <a:t>4/27/2025</a:t>
+              <a:t>5/5/2025</a:t>
             </a:fld>
             <a:endParaRPr lang="en-US" dirty="0"/>
           </a:p>
@@ -7183,7 +7193,7 @@
           <a:p>
             <a:fld id="{62D6E202-B606-4609-B914-27C9371A1F6D}" type="datetime1">
               <a:rPr lang="en-US" smtClean="0"/>
-              <a:t>4/27/2025</a:t>
+              <a:t>5/5/2025</a:t>
             </a:fld>
             <a:endParaRPr lang="en-US" dirty="0"/>
           </a:p>
@@ -7748,7 +7758,9 @@
         </p:nvSpPr>
         <p:spPr/>
         <p:txBody>
-          <a:bodyPr/>
+          <a:bodyPr>
+            <a:normAutofit lnSpcReduction="10000"/>
+          </a:bodyPr>
           <a:lstStyle/>
           <a:p>
             <a:pPr marL="285750" indent="-285750">
@@ -7774,6 +7786,28 @@
               <a:t>Berkan BAL</a:t>
             </a:r>
             <a:endParaRPr lang="en-US" dirty="0"/>
+          </a:p>
+          <a:p>
+            <a:r>
+              <a:rPr lang="en-US" b="1" dirty="0" err="1"/>
+              <a:t>Konu</a:t>
+            </a:r>
+            <a:r>
+              <a:rPr lang="en-US" b="1" dirty="0"/>
+              <a:t>: </a:t>
+            </a:r>
+            <a:r>
+              <a:rPr lang="en-US" i="1" dirty="0"/>
+              <a:t>Arka Plan </a:t>
+            </a:r>
+            <a:r>
+              <a:rPr lang="en-US" i="1" dirty="0" err="1"/>
+              <a:t>Kaldırma</a:t>
+            </a:r>
+            <a:r>
+              <a:rPr lang="en-US" i="1" dirty="0"/>
+              <a:t> Aracı </a:t>
+            </a:r>
           </a:p>
         </p:txBody>
       </p:sp>
@@ -8923,16 +8957,40 @@
           <a:bodyPr/>
           <a:lstStyle/>
           <a:p>
-            <a:endParaRPr lang="en-US"/>
+            <a:r>
+              <a:rPr lang="en-US" dirty="0"/>
+              <a:t>DeepLabV3+ </a:t>
+            </a:r>
+            <a:r>
+              <a:rPr lang="tr-TR" dirty="0"/>
+              <a:t>İle </a:t>
+            </a:r>
+            <a:r>
+              <a:rPr lang="en-US" dirty="0"/>
+              <a:t>Mini </a:t>
+            </a:r>
+            <a:r>
+              <a:rPr lang="en-US" dirty="0" err="1"/>
+              <a:t>Proje</a:t>
+            </a:r>
+            <a:r>
+              <a:rPr lang="en-US" dirty="0"/>
+              <a:t>: Arka Plan </a:t>
+            </a:r>
+            <a:r>
+              <a:rPr lang="en-US" dirty="0" err="1"/>
+              <a:t>Değiştirici</a:t>
+            </a:r>
+            <a:endParaRPr lang="en-US" dirty="0"/>
           </a:p>
         </p:txBody>
       </p:sp>
       <p:sp>
         <p:nvSpPr>
-          <p:cNvPr id="3" name="İçerik Yer Tutucusu 2">
+          <p:cNvPr id="7" name="İçerik Yer Tutucusu 6">
             <a:extLst>
               <a:ext uri="{FF2B5EF4-FFF2-40B4-BE49-F238E27FC236}">
-                <a16:creationId xmlns:a16="http://schemas.microsoft.com/office/drawing/2014/main" id="{C4989854-E9C9-CE22-12AA-97A35E43A068}"/>
+                <a16:creationId xmlns:a16="http://schemas.microsoft.com/office/drawing/2014/main" id="{C13690AE-A753-D936-CEA7-8FA663555175}"/>
               </a:ext>
             </a:extLst>
           </p:cNvPr>
@@ -8948,14 +9006,1789 @@
           <a:bodyPr/>
           <a:lstStyle/>
           <a:p>
-            <a:endParaRPr lang="en-US"/>
+            <a:r>
+              <a:rPr lang="en-US" dirty="0" err="1"/>
+              <a:t>Kullanıcı</a:t>
+            </a:r>
+            <a:r>
+              <a:rPr lang="en-US" dirty="0"/>
+              <a:t>, </a:t>
+            </a:r>
+            <a:r>
+              <a:rPr lang="en-US" dirty="0" err="1"/>
+              <a:t>bir</a:t>
+            </a:r>
+            <a:r>
+              <a:rPr lang="en-US" dirty="0"/>
+              <a:t> </a:t>
+            </a:r>
+            <a:r>
+              <a:rPr lang="en-US" dirty="0" err="1"/>
+              <a:t>portre</a:t>
+            </a:r>
+            <a:r>
+              <a:rPr lang="en-US" dirty="0"/>
+              <a:t> </a:t>
+            </a:r>
+            <a:r>
+              <a:rPr lang="en-US" dirty="0" err="1"/>
+              <a:t>fotoğraf</a:t>
+            </a:r>
+            <a:r>
+              <a:rPr lang="en-US" dirty="0"/>
+              <a:t> </a:t>
+            </a:r>
+            <a:r>
+              <a:rPr lang="en-US" dirty="0" err="1"/>
+              <a:t>yükler</a:t>
+            </a:r>
+            <a:r>
+              <a:rPr lang="en-US" dirty="0"/>
+              <a:t>. </a:t>
+            </a:r>
+            <a:r>
+              <a:rPr lang="en-US" dirty="0" err="1"/>
+              <a:t>Ardından</a:t>
+            </a:r>
+            <a:r>
+              <a:rPr lang="en-US" dirty="0"/>
+              <a:t> </a:t>
+            </a:r>
+            <a:r>
+              <a:rPr lang="en-US" dirty="0" err="1"/>
+              <a:t>arka</a:t>
+            </a:r>
+            <a:r>
+              <a:rPr lang="en-US" dirty="0"/>
+              <a:t> </a:t>
+            </a:r>
+            <a:r>
+              <a:rPr lang="en-US" dirty="0" err="1"/>
+              <a:t>planı</a:t>
+            </a:r>
+            <a:r>
+              <a:rPr lang="en-US" dirty="0"/>
+              <a:t> </a:t>
+            </a:r>
+            <a:r>
+              <a:rPr lang="en-US" dirty="0" err="1"/>
+              <a:t>ya</a:t>
+            </a:r>
+            <a:r>
+              <a:rPr lang="en-US" dirty="0"/>
+              <a:t> </a:t>
+            </a:r>
+            <a:r>
+              <a:rPr lang="en-US" dirty="0" err="1"/>
+              <a:t>tamamen</a:t>
+            </a:r>
+            <a:r>
+              <a:rPr lang="en-US" dirty="0"/>
+              <a:t> </a:t>
+            </a:r>
+            <a:r>
+              <a:rPr lang="en-US" dirty="0" err="1"/>
+              <a:t>kaldırabilir</a:t>
+            </a:r>
+            <a:r>
+              <a:rPr lang="en-US" dirty="0"/>
+              <a:t> (</a:t>
+            </a:r>
+            <a:r>
+              <a:rPr lang="en-US" dirty="0" err="1"/>
+              <a:t>şeffaflaştırma</a:t>
+            </a:r>
+            <a:r>
+              <a:rPr lang="en-US" dirty="0"/>
+              <a:t>) </a:t>
+            </a:r>
+            <a:r>
+              <a:rPr lang="en-US" dirty="0" err="1"/>
+              <a:t>ya</a:t>
+            </a:r>
+            <a:r>
+              <a:rPr lang="en-US" dirty="0"/>
+              <a:t> da </a:t>
+            </a:r>
+            <a:r>
+              <a:rPr lang="en-US" dirty="0" err="1"/>
+              <a:t>seçilen</a:t>
+            </a:r>
+            <a:r>
+              <a:rPr lang="en-US" dirty="0"/>
+              <a:t> </a:t>
+            </a:r>
+            <a:r>
+              <a:rPr lang="en-US" dirty="0" err="1"/>
+              <a:t>başka</a:t>
+            </a:r>
+            <a:r>
+              <a:rPr lang="en-US" dirty="0"/>
+              <a:t> </a:t>
+            </a:r>
+            <a:r>
+              <a:rPr lang="en-US" dirty="0" err="1"/>
+              <a:t>bir</a:t>
+            </a:r>
+            <a:r>
+              <a:rPr lang="en-US" dirty="0"/>
+              <a:t> </a:t>
+            </a:r>
+            <a:r>
+              <a:rPr lang="en-US" dirty="0" err="1"/>
+              <a:t>arka</a:t>
+            </a:r>
+            <a:r>
+              <a:rPr lang="en-US" dirty="0"/>
+              <a:t> </a:t>
+            </a:r>
+            <a:r>
+              <a:rPr lang="en-US" dirty="0" err="1"/>
+              <a:t>planla</a:t>
+            </a:r>
+            <a:r>
+              <a:rPr lang="en-US" dirty="0"/>
+              <a:t> </a:t>
+            </a:r>
+            <a:r>
+              <a:rPr lang="en-US" dirty="0" err="1"/>
+              <a:t>değiştirebilir</a:t>
+            </a:r>
+            <a:r>
+              <a:rPr lang="en-US" dirty="0"/>
+              <a:t>.</a:t>
+            </a:r>
+          </a:p>
+          <a:p>
+            <a:r>
+              <a:rPr lang="en-US" dirty="0"/>
+              <a:t>Ilk </a:t>
+            </a:r>
+            <a:r>
+              <a:rPr lang="en-US" dirty="0" err="1"/>
+              <a:t>olarak</a:t>
+            </a:r>
+            <a:r>
+              <a:rPr lang="en-US" dirty="0"/>
+              <a:t> model </a:t>
+            </a:r>
+            <a:r>
+              <a:rPr lang="en-US" dirty="0" err="1"/>
+              <a:t>tanimlanir</a:t>
+            </a:r>
+            <a:r>
+              <a:rPr lang="en-US" dirty="0"/>
+              <a:t>.</a:t>
+            </a:r>
+          </a:p>
+          <a:p>
+            <a:endParaRPr lang="en-US" dirty="0"/>
+          </a:p>
+          <a:p>
+            <a:endParaRPr lang="en-US" dirty="0"/>
+          </a:p>
+          <a:p>
+            <a:r>
+              <a:rPr lang="en-US" dirty="0"/>
+              <a:t>Model PASCAL VOC </a:t>
+            </a:r>
+            <a:r>
+              <a:rPr lang="en-US" dirty="0" err="1"/>
+              <a:t>veri</a:t>
+            </a:r>
+            <a:r>
+              <a:rPr lang="en-US" dirty="0"/>
+              <a:t> </a:t>
+            </a:r>
+            <a:r>
+              <a:rPr lang="en-US" dirty="0" err="1"/>
+              <a:t>kümesinde</a:t>
+            </a:r>
+            <a:r>
+              <a:rPr lang="en-US" dirty="0"/>
+              <a:t> </a:t>
+            </a:r>
+            <a:r>
+              <a:rPr lang="en-US" dirty="0" err="1"/>
+              <a:t>eğitilmiştir</a:t>
+            </a:r>
+            <a:endParaRPr lang="en-US" dirty="0"/>
+          </a:p>
+          <a:p>
+            <a:r>
+              <a:rPr lang="en-US" dirty="0" err="1"/>
+              <a:t>İnsan</a:t>
+            </a:r>
+            <a:r>
+              <a:rPr lang="en-US" dirty="0"/>
+              <a:t> </a:t>
+            </a:r>
+            <a:r>
+              <a:rPr lang="en-US" dirty="0" err="1"/>
+              <a:t>sınıfı</a:t>
+            </a:r>
+            <a:r>
+              <a:rPr lang="en-US" dirty="0"/>
+              <a:t> PASCAL VOC </a:t>
+            </a:r>
+            <a:r>
+              <a:rPr lang="en-US" dirty="0" err="1"/>
+              <a:t>içinde</a:t>
+            </a:r>
+            <a:r>
+              <a:rPr lang="en-US" dirty="0"/>
+              <a:t> </a:t>
+            </a:r>
+            <a:r>
+              <a:rPr lang="en-US" b="1" dirty="0"/>
+              <a:t>15 </a:t>
+            </a:r>
+            <a:r>
+              <a:rPr lang="en-US" b="1" dirty="0" err="1"/>
+              <a:t>numaralı</a:t>
+            </a:r>
+            <a:r>
+              <a:rPr lang="en-US" b="1" dirty="0"/>
+              <a:t> </a:t>
+            </a:r>
+            <a:r>
+              <a:rPr lang="en-US" b="1" dirty="0" err="1"/>
+              <a:t>sınıftır</a:t>
+            </a:r>
+            <a:endParaRPr lang="en-US" dirty="0"/>
           </a:p>
         </p:txBody>
       </p:sp>
+      <p:pic>
+        <p:nvPicPr>
+          <p:cNvPr id="9" name="Resim 8">
+            <a:extLst>
+              <a:ext uri="{FF2B5EF4-FFF2-40B4-BE49-F238E27FC236}">
+                <a16:creationId xmlns:a16="http://schemas.microsoft.com/office/drawing/2014/main" id="{098B5949-49A0-63C3-0DA3-A59937F0FA7C}"/>
+              </a:ext>
+            </a:extLst>
+          </p:cNvPr>
+          <p:cNvPicPr>
+            <a:picLocks noChangeAspect="1"/>
+          </p:cNvPicPr>
+          <p:nvPr/>
+        </p:nvPicPr>
+        <p:blipFill>
+          <a:blip r:embed="rId2">
+            <a:extLst>
+              <a:ext uri="{28A0092B-C50C-407E-A947-70E740481C1C}">
+                <a14:useLocalDpi xmlns:a14="http://schemas.microsoft.com/office/drawing/2010/main" val="0"/>
+              </a:ext>
+            </a:extLst>
+          </a:blip>
+          <a:stretch>
+            <a:fillRect/>
+          </a:stretch>
+        </p:blipFill>
+        <p:spPr>
+          <a:xfrm>
+            <a:off x="3014758" y="3429000"/>
+            <a:ext cx="6820852" cy="247685"/>
+          </a:xfrm>
+          <a:prstGeom prst="rect">
+            <a:avLst/>
+          </a:prstGeom>
+        </p:spPr>
+      </p:pic>
     </p:spTree>
     <p:extLst>
       <p:ext uri="{BB962C8B-B14F-4D97-AF65-F5344CB8AC3E}">
         <p14:creationId xmlns:p14="http://schemas.microsoft.com/office/powerpoint/2010/main" val="425691187"/>
+      </p:ext>
+    </p:extLst>
+  </p:cSld>
+  <p:clrMapOvr>
+    <a:masterClrMapping/>
+  </p:clrMapOvr>
+</p:sld>
+</file>
+
+<file path=ppt/slides/slide16.xml><?xml version="1.0" encoding="utf-8"?>
+<p:sld xmlns:a="http://schemas.openxmlformats.org/drawingml/2006/main" xmlns:r="http://schemas.openxmlformats.org/officeDocument/2006/relationships" xmlns:p="http://schemas.openxmlformats.org/presentationml/2006/main">
+  <p:cSld>
+    <p:spTree>
+      <p:nvGrpSpPr>
+        <p:cNvPr id="1" name=""/>
+        <p:cNvGrpSpPr/>
+        <p:nvPr/>
+      </p:nvGrpSpPr>
+      <p:grpSpPr>
+        <a:xfrm>
+          <a:off x="0" y="0"/>
+          <a:ext cx="0" cy="0"/>
+          <a:chOff x="0" y="0"/>
+          <a:chExt cx="0" cy="0"/>
+        </a:xfrm>
+      </p:grpSpPr>
+      <p:sp>
+        <p:nvSpPr>
+          <p:cNvPr id="2" name="Başlık 1">
+            <a:extLst>
+              <a:ext uri="{FF2B5EF4-FFF2-40B4-BE49-F238E27FC236}">
+                <a16:creationId xmlns:a16="http://schemas.microsoft.com/office/drawing/2014/main" id="{76FC2AD2-E8AE-416B-BB62-5007D21F9314}"/>
+              </a:ext>
+            </a:extLst>
+          </p:cNvPr>
+          <p:cNvSpPr>
+            <a:spLocks noGrp="1"/>
+          </p:cNvSpPr>
+          <p:nvPr>
+            <p:ph type="title"/>
+          </p:nvPr>
+        </p:nvSpPr>
+        <p:spPr/>
+        <p:txBody>
+          <a:bodyPr/>
+          <a:lstStyle/>
+          <a:p>
+            <a:r>
+              <a:rPr lang="en-US" dirty="0"/>
+              <a:t>DeepLabV3+ </a:t>
+            </a:r>
+            <a:r>
+              <a:rPr lang="tr-TR" dirty="0"/>
+              <a:t>İle </a:t>
+            </a:r>
+            <a:r>
+              <a:rPr lang="en-US" dirty="0"/>
+              <a:t>Mini </a:t>
+            </a:r>
+            <a:r>
+              <a:rPr lang="en-US" dirty="0" err="1"/>
+              <a:t>Proje</a:t>
+            </a:r>
+            <a:r>
+              <a:rPr lang="en-US" dirty="0"/>
+              <a:t>: Arka Plan </a:t>
+            </a:r>
+            <a:r>
+              <a:rPr lang="en-US" dirty="0" err="1"/>
+              <a:t>Değiştirici</a:t>
+            </a:r>
+            <a:endParaRPr lang="en-US" dirty="0"/>
+          </a:p>
+        </p:txBody>
+      </p:sp>
+      <p:sp>
+        <p:nvSpPr>
+          <p:cNvPr id="3" name="İçerik Yer Tutucusu 2">
+            <a:extLst>
+              <a:ext uri="{FF2B5EF4-FFF2-40B4-BE49-F238E27FC236}">
+                <a16:creationId xmlns:a16="http://schemas.microsoft.com/office/drawing/2014/main" id="{E0DB9BA3-A97F-3B15-115A-220B5C832631}"/>
+              </a:ext>
+            </a:extLst>
+          </p:cNvPr>
+          <p:cNvSpPr>
+            <a:spLocks noGrp="1"/>
+          </p:cNvSpPr>
+          <p:nvPr>
+            <p:ph idx="1"/>
+          </p:nvPr>
+        </p:nvSpPr>
+        <p:spPr/>
+        <p:txBody>
+          <a:bodyPr/>
+          <a:lstStyle/>
+          <a:p>
+            <a:pPr marL="0" indent="0">
+              <a:buNone/>
+            </a:pPr>
+            <a:r>
+              <a:rPr lang="en-US" dirty="0" err="1"/>
+              <a:t>Segmentasyon</a:t>
+            </a:r>
+            <a:r>
+              <a:rPr lang="en-US" dirty="0"/>
+              <a:t> </a:t>
+            </a:r>
+            <a:r>
+              <a:rPr lang="en-US" dirty="0" err="1"/>
+              <a:t>Süreci</a:t>
+            </a:r>
+            <a:endParaRPr lang="en-US" dirty="0"/>
+          </a:p>
+          <a:p>
+            <a:endParaRPr lang="en-US" dirty="0"/>
+          </a:p>
+          <a:p>
+            <a:endParaRPr lang="en-US" dirty="0"/>
+          </a:p>
+          <a:p>
+            <a:endParaRPr lang="en-US" dirty="0"/>
+          </a:p>
+          <a:p>
+            <a:r>
+              <a:rPr lang="en-US" dirty="0"/>
+              <a:t>model(</a:t>
+            </a:r>
+            <a:r>
+              <a:rPr lang="en-US" dirty="0" err="1"/>
+              <a:t>input_tensor</a:t>
+            </a:r>
+            <a:r>
+              <a:rPr lang="en-US" dirty="0"/>
+              <a:t>) </a:t>
+            </a:r>
+            <a:r>
+              <a:rPr lang="en-US" dirty="0" err="1"/>
+              <a:t>çağrısıyla</a:t>
+            </a:r>
+            <a:r>
+              <a:rPr lang="en-US" dirty="0"/>
+              <a:t> model </a:t>
+            </a:r>
+            <a:r>
+              <a:rPr lang="en-US" dirty="0" err="1"/>
+              <a:t>çıktısı</a:t>
+            </a:r>
+            <a:r>
+              <a:rPr lang="en-US" dirty="0"/>
+              <a:t> </a:t>
+            </a:r>
+            <a:r>
+              <a:rPr lang="en-US" dirty="0" err="1"/>
+              <a:t>alınır</a:t>
+            </a:r>
+            <a:r>
+              <a:rPr lang="en-US" dirty="0"/>
+              <a:t>.</a:t>
+            </a:r>
+          </a:p>
+          <a:p>
+            <a:r>
+              <a:rPr lang="en-US" dirty="0"/>
+              <a:t>Bu </a:t>
+            </a:r>
+            <a:r>
+              <a:rPr lang="en-US" dirty="0" err="1"/>
+              <a:t>çıktı</a:t>
+            </a:r>
+            <a:r>
+              <a:rPr lang="en-US" dirty="0"/>
+              <a:t>, her </a:t>
+            </a:r>
+            <a:r>
+              <a:rPr lang="en-US" dirty="0" err="1"/>
+              <a:t>piksel</a:t>
+            </a:r>
+            <a:r>
+              <a:rPr lang="en-US" dirty="0"/>
+              <a:t> </a:t>
+            </a:r>
+            <a:r>
+              <a:rPr lang="en-US" dirty="0" err="1"/>
+              <a:t>için</a:t>
+            </a:r>
+            <a:r>
+              <a:rPr lang="en-US" dirty="0"/>
+              <a:t> 21 </a:t>
+            </a:r>
+            <a:r>
+              <a:rPr lang="en-US" dirty="0" err="1"/>
+              <a:t>sınıfa</a:t>
+            </a:r>
+            <a:r>
+              <a:rPr lang="en-US" dirty="0"/>
+              <a:t> </a:t>
+            </a:r>
+            <a:r>
+              <a:rPr lang="en-US" dirty="0" err="1"/>
+              <a:t>ait</a:t>
+            </a:r>
+            <a:r>
+              <a:rPr lang="en-US" dirty="0"/>
+              <a:t> </a:t>
+            </a:r>
+            <a:r>
+              <a:rPr lang="en-US" dirty="0" err="1"/>
+              <a:t>skorları</a:t>
+            </a:r>
+            <a:r>
+              <a:rPr lang="en-US" dirty="0"/>
+              <a:t> </a:t>
+            </a:r>
+            <a:r>
+              <a:rPr lang="en-US" dirty="0" err="1"/>
+              <a:t>içerir</a:t>
+            </a:r>
+            <a:r>
+              <a:rPr lang="en-US" dirty="0"/>
+              <a:t>.</a:t>
+            </a:r>
+          </a:p>
+          <a:p>
+            <a:r>
+              <a:rPr lang="en-US" dirty="0"/>
+              <a:t>argmax(0) </a:t>
+            </a:r>
+            <a:r>
+              <a:rPr lang="en-US" dirty="0" err="1"/>
+              <a:t>ile</a:t>
+            </a:r>
+            <a:r>
+              <a:rPr lang="en-US" dirty="0"/>
+              <a:t> her </a:t>
+            </a:r>
+            <a:r>
+              <a:rPr lang="en-US" dirty="0" err="1"/>
+              <a:t>pikselin</a:t>
+            </a:r>
+            <a:r>
+              <a:rPr lang="en-US" dirty="0"/>
+              <a:t> </a:t>
+            </a:r>
+            <a:r>
+              <a:rPr lang="en-US" dirty="0" err="1"/>
+              <a:t>en</a:t>
+            </a:r>
+            <a:r>
+              <a:rPr lang="en-US" dirty="0"/>
+              <a:t> </a:t>
+            </a:r>
+            <a:r>
+              <a:rPr lang="en-US" dirty="0" err="1"/>
+              <a:t>yüksek</a:t>
+            </a:r>
+            <a:r>
+              <a:rPr lang="en-US" dirty="0"/>
+              <a:t> </a:t>
+            </a:r>
+            <a:r>
+              <a:rPr lang="en-US" dirty="0" err="1"/>
+              <a:t>olasılıklı</a:t>
+            </a:r>
+            <a:r>
+              <a:rPr lang="en-US" dirty="0"/>
+              <a:t> </a:t>
+            </a:r>
+            <a:r>
+              <a:rPr lang="en-US" dirty="0" err="1"/>
+              <a:t>sınıfı</a:t>
+            </a:r>
+            <a:r>
+              <a:rPr lang="en-US" dirty="0"/>
+              <a:t> </a:t>
+            </a:r>
+            <a:r>
+              <a:rPr lang="en-US" dirty="0" err="1"/>
+              <a:t>seçilir</a:t>
+            </a:r>
+            <a:r>
+              <a:rPr lang="en-US" dirty="0"/>
+              <a:t>.</a:t>
+            </a:r>
+          </a:p>
+          <a:p>
+            <a:r>
+              <a:rPr lang="en-US" dirty="0"/>
+              <a:t>Bu </a:t>
+            </a:r>
+            <a:r>
+              <a:rPr lang="en-US" dirty="0" err="1"/>
+              <a:t>şekilde</a:t>
+            </a:r>
+            <a:r>
+              <a:rPr lang="en-US" dirty="0"/>
+              <a:t> </a:t>
+            </a:r>
+            <a:r>
+              <a:rPr lang="en-US" dirty="0" err="1"/>
+              <a:t>tüm</a:t>
+            </a:r>
+            <a:r>
+              <a:rPr lang="en-US" dirty="0"/>
+              <a:t> </a:t>
+            </a:r>
+            <a:r>
+              <a:rPr lang="en-US" dirty="0" err="1"/>
+              <a:t>görsel</a:t>
+            </a:r>
+            <a:r>
+              <a:rPr lang="en-US" dirty="0"/>
+              <a:t> </a:t>
+            </a:r>
+            <a:r>
+              <a:rPr lang="en-US" dirty="0" err="1"/>
+              <a:t>için</a:t>
+            </a:r>
+            <a:r>
+              <a:rPr lang="en-US" dirty="0"/>
+              <a:t> </a:t>
+            </a:r>
+            <a:r>
+              <a:rPr lang="en-US" dirty="0" err="1"/>
+              <a:t>sınıf</a:t>
+            </a:r>
+            <a:r>
+              <a:rPr lang="en-US" dirty="0"/>
+              <a:t> </a:t>
+            </a:r>
+            <a:r>
+              <a:rPr lang="en-US" dirty="0" err="1"/>
+              <a:t>maskesi</a:t>
+            </a:r>
+            <a:r>
+              <a:rPr lang="en-US" dirty="0"/>
+              <a:t> </a:t>
+            </a:r>
+            <a:r>
+              <a:rPr lang="en-US" dirty="0" err="1"/>
+              <a:t>elde</a:t>
+            </a:r>
+            <a:r>
+              <a:rPr lang="en-US" dirty="0"/>
+              <a:t> </a:t>
+            </a:r>
+            <a:r>
+              <a:rPr lang="en-US" dirty="0" err="1"/>
+              <a:t>edilir</a:t>
+            </a:r>
+            <a:r>
+              <a:rPr lang="en-US" dirty="0"/>
+              <a:t>.</a:t>
+            </a:r>
+          </a:p>
+          <a:p>
+            <a:endParaRPr lang="en-US" dirty="0"/>
+          </a:p>
+        </p:txBody>
+      </p:sp>
+      <p:pic>
+        <p:nvPicPr>
+          <p:cNvPr id="5" name="Resim 4" descr="metin, yazı tipi, ekran görüntüsü, sayı, numara içeren bir resim&#10;&#10;Yapay zeka tarafından oluşturulan içerik yanlış olabilir.">
+            <a:extLst>
+              <a:ext uri="{FF2B5EF4-FFF2-40B4-BE49-F238E27FC236}">
+                <a16:creationId xmlns:a16="http://schemas.microsoft.com/office/drawing/2014/main" id="{A8DE7455-9779-24D5-757E-EA77D27DA206}"/>
+              </a:ext>
+            </a:extLst>
+          </p:cNvPr>
+          <p:cNvPicPr>
+            <a:picLocks noChangeAspect="1"/>
+          </p:cNvPicPr>
+          <p:nvPr/>
+        </p:nvPicPr>
+        <p:blipFill>
+          <a:blip r:embed="rId2">
+            <a:extLst>
+              <a:ext uri="{28A0092B-C50C-407E-A947-70E740481C1C}">
+                <a14:useLocalDpi xmlns:a14="http://schemas.microsoft.com/office/drawing/2010/main" val="0"/>
+              </a:ext>
+            </a:extLst>
+          </a:blip>
+          <a:stretch>
+            <a:fillRect/>
+          </a:stretch>
+        </p:blipFill>
+        <p:spPr>
+          <a:xfrm>
+            <a:off x="3055380" y="2704999"/>
+            <a:ext cx="3991532" cy="724001"/>
+          </a:xfrm>
+          <a:prstGeom prst="rect">
+            <a:avLst/>
+          </a:prstGeom>
+        </p:spPr>
+      </p:pic>
+    </p:spTree>
+    <p:extLst>
+      <p:ext uri="{BB962C8B-B14F-4D97-AF65-F5344CB8AC3E}">
+        <p14:creationId xmlns:p14="http://schemas.microsoft.com/office/powerpoint/2010/main" val="3789572730"/>
+      </p:ext>
+    </p:extLst>
+  </p:cSld>
+  <p:clrMapOvr>
+    <a:masterClrMapping/>
+  </p:clrMapOvr>
+</p:sld>
+</file>
+
+<file path=ppt/slides/slide17.xml><?xml version="1.0" encoding="utf-8"?>
+<p:sld xmlns:a="http://schemas.openxmlformats.org/drawingml/2006/main" xmlns:r="http://schemas.openxmlformats.org/officeDocument/2006/relationships" xmlns:p="http://schemas.openxmlformats.org/presentationml/2006/main">
+  <p:cSld>
+    <p:spTree>
+      <p:nvGrpSpPr>
+        <p:cNvPr id="1" name=""/>
+        <p:cNvGrpSpPr/>
+        <p:nvPr/>
+      </p:nvGrpSpPr>
+      <p:grpSpPr>
+        <a:xfrm>
+          <a:off x="0" y="0"/>
+          <a:ext cx="0" cy="0"/>
+          <a:chOff x="0" y="0"/>
+          <a:chExt cx="0" cy="0"/>
+        </a:xfrm>
+      </p:grpSpPr>
+      <p:sp>
+        <p:nvSpPr>
+          <p:cNvPr id="2" name="Başlık 1">
+            <a:extLst>
+              <a:ext uri="{FF2B5EF4-FFF2-40B4-BE49-F238E27FC236}">
+                <a16:creationId xmlns:a16="http://schemas.microsoft.com/office/drawing/2014/main" id="{61153490-63DF-6459-89D7-016E1B060268}"/>
+              </a:ext>
+            </a:extLst>
+          </p:cNvPr>
+          <p:cNvSpPr>
+            <a:spLocks noGrp="1"/>
+          </p:cNvSpPr>
+          <p:nvPr>
+            <p:ph type="title"/>
+          </p:nvPr>
+        </p:nvSpPr>
+        <p:spPr/>
+        <p:txBody>
+          <a:bodyPr/>
+          <a:lstStyle/>
+          <a:p>
+            <a:r>
+              <a:rPr lang="en-US" dirty="0"/>
+              <a:t>DeepLabV3+ </a:t>
+            </a:r>
+            <a:r>
+              <a:rPr lang="tr-TR" dirty="0"/>
+              <a:t>İle </a:t>
+            </a:r>
+            <a:r>
+              <a:rPr lang="en-US" dirty="0"/>
+              <a:t>Mini </a:t>
+            </a:r>
+            <a:r>
+              <a:rPr lang="en-US" dirty="0" err="1"/>
+              <a:t>Proje</a:t>
+            </a:r>
+            <a:r>
+              <a:rPr lang="en-US" dirty="0"/>
+              <a:t>: Arka Plan </a:t>
+            </a:r>
+            <a:r>
+              <a:rPr lang="en-US" dirty="0" err="1"/>
+              <a:t>Değiştirici</a:t>
+            </a:r>
+            <a:endParaRPr lang="en-US" dirty="0"/>
+          </a:p>
+        </p:txBody>
+      </p:sp>
+      <p:sp>
+        <p:nvSpPr>
+          <p:cNvPr id="3" name="İçerik Yer Tutucusu 2">
+            <a:extLst>
+              <a:ext uri="{FF2B5EF4-FFF2-40B4-BE49-F238E27FC236}">
+                <a16:creationId xmlns:a16="http://schemas.microsoft.com/office/drawing/2014/main" id="{16652A31-F112-FD03-0533-A86A6E3DD89D}"/>
+              </a:ext>
+            </a:extLst>
+          </p:cNvPr>
+          <p:cNvSpPr>
+            <a:spLocks noGrp="1"/>
+          </p:cNvSpPr>
+          <p:nvPr>
+            <p:ph idx="1"/>
+          </p:nvPr>
+        </p:nvSpPr>
+        <p:spPr/>
+        <p:txBody>
+          <a:bodyPr/>
+          <a:lstStyle/>
+          <a:p>
+            <a:pPr marL="0" indent="0">
+              <a:buNone/>
+            </a:pPr>
+            <a:r>
+              <a:rPr lang="en-US" dirty="0" err="1"/>
+              <a:t>İnsan</a:t>
+            </a:r>
+            <a:r>
+              <a:rPr lang="en-US" dirty="0"/>
+              <a:t> </a:t>
+            </a:r>
+            <a:r>
+              <a:rPr lang="en-US" dirty="0" err="1"/>
+              <a:t>Tespiti</a:t>
+            </a:r>
+            <a:r>
+              <a:rPr lang="en-US" dirty="0"/>
+              <a:t> </a:t>
+            </a:r>
+            <a:r>
+              <a:rPr lang="en-US" dirty="0" err="1"/>
+              <a:t>Maskesi</a:t>
+            </a:r>
+            <a:endParaRPr lang="en-US" dirty="0"/>
+          </a:p>
+          <a:p>
+            <a:pPr marL="0" indent="0">
+              <a:buNone/>
+            </a:pPr>
+            <a:endParaRPr lang="en-US" dirty="0"/>
+          </a:p>
+          <a:p>
+            <a:pPr marL="0" indent="0">
+              <a:buNone/>
+            </a:pPr>
+            <a:endParaRPr lang="en-US" dirty="0"/>
+          </a:p>
+          <a:p>
+            <a:r>
+              <a:rPr lang="en-US" dirty="0" err="1"/>
+              <a:t>Burada</a:t>
+            </a:r>
+            <a:r>
+              <a:rPr lang="en-US" dirty="0"/>
+              <a:t> </a:t>
+            </a:r>
+            <a:r>
+              <a:rPr lang="en-US" dirty="0" err="1"/>
+              <a:t>yalnızca</a:t>
+            </a:r>
+            <a:r>
+              <a:rPr lang="en-US" dirty="0"/>
+              <a:t> </a:t>
+            </a:r>
+            <a:r>
+              <a:rPr lang="en-US" dirty="0" err="1"/>
+              <a:t>sınıfı</a:t>
+            </a:r>
+            <a:r>
+              <a:rPr lang="en-US" dirty="0"/>
+              <a:t> 15 </a:t>
+            </a:r>
+            <a:r>
+              <a:rPr lang="en-US" dirty="0" err="1"/>
+              <a:t>olan</a:t>
+            </a:r>
+            <a:r>
+              <a:rPr lang="en-US" dirty="0"/>
+              <a:t> </a:t>
+            </a:r>
+            <a:r>
+              <a:rPr lang="en-US" dirty="0" err="1"/>
+              <a:t>pikseller</a:t>
+            </a:r>
+            <a:r>
+              <a:rPr lang="en-US" dirty="0"/>
+              <a:t> (</a:t>
+            </a:r>
+            <a:r>
+              <a:rPr lang="en-US" dirty="0" err="1"/>
+              <a:t>yani</a:t>
+            </a:r>
+            <a:r>
+              <a:rPr lang="en-US" dirty="0"/>
+              <a:t> </a:t>
+            </a:r>
+            <a:r>
+              <a:rPr lang="en-US" dirty="0" err="1"/>
+              <a:t>insan</a:t>
+            </a:r>
+            <a:r>
+              <a:rPr lang="en-US" dirty="0"/>
+              <a:t>) True </a:t>
+            </a:r>
+            <a:r>
+              <a:rPr lang="en-US" dirty="0" err="1"/>
+              <a:t>olarak</a:t>
+            </a:r>
+            <a:r>
+              <a:rPr lang="en-US" dirty="0"/>
+              <a:t> </a:t>
+            </a:r>
+            <a:r>
+              <a:rPr lang="en-US" dirty="0" err="1"/>
+              <a:t>işaretlenir</a:t>
+            </a:r>
+            <a:r>
+              <a:rPr lang="en-US" dirty="0"/>
+              <a:t>.</a:t>
+            </a:r>
+          </a:p>
+          <a:p>
+            <a:r>
+              <a:rPr lang="en-US" dirty="0" err="1"/>
+              <a:t>Diğerleri</a:t>
+            </a:r>
+            <a:r>
+              <a:rPr lang="en-US" dirty="0"/>
+              <a:t> False </a:t>
+            </a:r>
+            <a:r>
+              <a:rPr lang="en-US" dirty="0" err="1"/>
+              <a:t>olur</a:t>
+            </a:r>
+            <a:r>
+              <a:rPr lang="en-US" dirty="0"/>
+              <a:t> (</a:t>
+            </a:r>
+            <a:r>
+              <a:rPr lang="en-US" dirty="0" err="1"/>
+              <a:t>arka</a:t>
+            </a:r>
+            <a:r>
+              <a:rPr lang="en-US" dirty="0"/>
+              <a:t> plan </a:t>
+            </a:r>
+            <a:r>
+              <a:rPr lang="en-US" dirty="0" err="1"/>
+              <a:t>gibi</a:t>
+            </a:r>
+            <a:r>
+              <a:rPr lang="en-US" dirty="0"/>
+              <a:t>).</a:t>
+            </a:r>
+          </a:p>
+        </p:txBody>
+      </p:sp>
+      <p:pic>
+        <p:nvPicPr>
+          <p:cNvPr id="5" name="Resim 4">
+            <a:extLst>
+              <a:ext uri="{FF2B5EF4-FFF2-40B4-BE49-F238E27FC236}">
+                <a16:creationId xmlns:a16="http://schemas.microsoft.com/office/drawing/2014/main" id="{7770F522-4EE5-7925-6034-92C48DA8FFE1}"/>
+              </a:ext>
+            </a:extLst>
+          </p:cNvPr>
+          <p:cNvPicPr>
+            <a:picLocks noChangeAspect="1"/>
+          </p:cNvPicPr>
+          <p:nvPr/>
+        </p:nvPicPr>
+        <p:blipFill>
+          <a:blip r:embed="rId2">
+            <a:extLst>
+              <a:ext uri="{28A0092B-C50C-407E-A947-70E740481C1C}">
+                <a14:useLocalDpi xmlns:a14="http://schemas.microsoft.com/office/drawing/2010/main" val="0"/>
+              </a:ext>
+            </a:extLst>
+          </a:blip>
+          <a:stretch>
+            <a:fillRect/>
+          </a:stretch>
+        </p:blipFill>
+        <p:spPr>
+          <a:xfrm>
+            <a:off x="2683057" y="2601452"/>
+            <a:ext cx="4667901" cy="228632"/>
+          </a:xfrm>
+          <a:prstGeom prst="rect">
+            <a:avLst/>
+          </a:prstGeom>
+        </p:spPr>
+      </p:pic>
+    </p:spTree>
+    <p:extLst>
+      <p:ext uri="{BB962C8B-B14F-4D97-AF65-F5344CB8AC3E}">
+        <p14:creationId xmlns:p14="http://schemas.microsoft.com/office/powerpoint/2010/main" val="3466348105"/>
+      </p:ext>
+    </p:extLst>
+  </p:cSld>
+  <p:clrMapOvr>
+    <a:masterClrMapping/>
+  </p:clrMapOvr>
+</p:sld>
+</file>
+
+<file path=ppt/slides/slide18.xml><?xml version="1.0" encoding="utf-8"?>
+<p:sld xmlns:a="http://schemas.openxmlformats.org/drawingml/2006/main" xmlns:r="http://schemas.openxmlformats.org/officeDocument/2006/relationships" xmlns:p="http://schemas.openxmlformats.org/presentationml/2006/main">
+  <p:cSld>
+    <p:spTree>
+      <p:nvGrpSpPr>
+        <p:cNvPr id="1" name=""/>
+        <p:cNvGrpSpPr/>
+        <p:nvPr/>
+      </p:nvGrpSpPr>
+      <p:grpSpPr>
+        <a:xfrm>
+          <a:off x="0" y="0"/>
+          <a:ext cx="0" cy="0"/>
+          <a:chOff x="0" y="0"/>
+          <a:chExt cx="0" cy="0"/>
+        </a:xfrm>
+      </p:grpSpPr>
+      <p:sp>
+        <p:nvSpPr>
+          <p:cNvPr id="2" name="Başlık 1">
+            <a:extLst>
+              <a:ext uri="{FF2B5EF4-FFF2-40B4-BE49-F238E27FC236}">
+                <a16:creationId xmlns:a16="http://schemas.microsoft.com/office/drawing/2014/main" id="{6EACD759-7CC2-9376-053F-A39D34EFFC86}"/>
+              </a:ext>
+            </a:extLst>
+          </p:cNvPr>
+          <p:cNvSpPr>
+            <a:spLocks noGrp="1"/>
+          </p:cNvSpPr>
+          <p:nvPr>
+            <p:ph type="title"/>
+          </p:nvPr>
+        </p:nvSpPr>
+        <p:spPr/>
+        <p:txBody>
+          <a:bodyPr/>
+          <a:lstStyle/>
+          <a:p>
+            <a:r>
+              <a:rPr lang="en-US" dirty="0"/>
+              <a:t>DeepLabV3+ </a:t>
+            </a:r>
+            <a:r>
+              <a:rPr lang="tr-TR" dirty="0"/>
+              <a:t>İle </a:t>
+            </a:r>
+            <a:r>
+              <a:rPr lang="en-US" dirty="0"/>
+              <a:t>Mini </a:t>
+            </a:r>
+            <a:r>
+              <a:rPr lang="en-US" dirty="0" err="1"/>
+              <a:t>Proje</a:t>
+            </a:r>
+            <a:r>
+              <a:rPr lang="en-US" dirty="0"/>
+              <a:t>: Arka Plan </a:t>
+            </a:r>
+            <a:r>
+              <a:rPr lang="en-US" dirty="0" err="1"/>
+              <a:t>Değiştirici</a:t>
+            </a:r>
+            <a:endParaRPr lang="en-US" dirty="0"/>
+          </a:p>
+        </p:txBody>
+      </p:sp>
+      <p:sp>
+        <p:nvSpPr>
+          <p:cNvPr id="3" name="İçerik Yer Tutucusu 2">
+            <a:extLst>
+              <a:ext uri="{FF2B5EF4-FFF2-40B4-BE49-F238E27FC236}">
+                <a16:creationId xmlns:a16="http://schemas.microsoft.com/office/drawing/2014/main" id="{2821CCB3-A490-BE6A-5359-6C4FC06B0E0E}"/>
+              </a:ext>
+            </a:extLst>
+          </p:cNvPr>
+          <p:cNvSpPr>
+            <a:spLocks noGrp="1"/>
+          </p:cNvSpPr>
+          <p:nvPr>
+            <p:ph idx="1"/>
+          </p:nvPr>
+        </p:nvSpPr>
+        <p:spPr/>
+        <p:txBody>
+          <a:bodyPr/>
+          <a:lstStyle/>
+          <a:p>
+            <a:pPr marL="0" indent="0">
+              <a:buNone/>
+            </a:pPr>
+            <a:r>
+              <a:rPr lang="en-US" dirty="0"/>
+              <a:t>Arka </a:t>
+            </a:r>
+            <a:r>
+              <a:rPr lang="en-US" dirty="0" err="1"/>
+              <a:t>Planı</a:t>
+            </a:r>
+            <a:r>
+              <a:rPr lang="en-US" dirty="0"/>
+              <a:t> </a:t>
+            </a:r>
+            <a:r>
+              <a:rPr lang="en-US" dirty="0" err="1"/>
+              <a:t>Şeffaflaştırma</a:t>
+            </a:r>
+            <a:endParaRPr lang="en-US" dirty="0"/>
+          </a:p>
+          <a:p>
+            <a:pPr marL="0" indent="0">
+              <a:buNone/>
+            </a:pPr>
+            <a:endParaRPr lang="en-US" dirty="0"/>
+          </a:p>
+          <a:p>
+            <a:pPr marL="0" indent="0">
+              <a:buNone/>
+            </a:pPr>
+            <a:endParaRPr lang="en-US" dirty="0"/>
+          </a:p>
+          <a:p>
+            <a:pPr marL="0" indent="0">
+              <a:buNone/>
+            </a:pPr>
+            <a:endParaRPr lang="en-US" dirty="0"/>
+          </a:p>
+          <a:p>
+            <a:r>
+              <a:rPr lang="en-US" dirty="0"/>
+              <a:t>RGB </a:t>
+            </a:r>
+            <a:r>
+              <a:rPr lang="en-US" dirty="0" err="1"/>
+              <a:t>görsel</a:t>
+            </a:r>
+            <a:r>
+              <a:rPr lang="en-US" dirty="0"/>
+              <a:t> </a:t>
+            </a:r>
+            <a:r>
+              <a:rPr lang="en-US" dirty="0" err="1"/>
+              <a:t>RGBA'ya</a:t>
+            </a:r>
+            <a:r>
+              <a:rPr lang="en-US" dirty="0"/>
+              <a:t> </a:t>
+            </a:r>
+            <a:r>
+              <a:rPr lang="en-US" dirty="0" err="1"/>
+              <a:t>çevrilir</a:t>
+            </a:r>
+            <a:r>
+              <a:rPr lang="en-US" dirty="0"/>
+              <a:t> (Alpha </a:t>
+            </a:r>
+            <a:r>
+              <a:rPr lang="en-US" dirty="0" err="1"/>
+              <a:t>kanalı</a:t>
+            </a:r>
+            <a:r>
+              <a:rPr lang="en-US" dirty="0"/>
+              <a:t> </a:t>
+            </a:r>
+            <a:r>
+              <a:rPr lang="en-US" dirty="0" err="1"/>
+              <a:t>eklenir</a:t>
+            </a:r>
+            <a:r>
+              <a:rPr lang="en-US" dirty="0"/>
+              <a:t>).</a:t>
+            </a:r>
+          </a:p>
+          <a:p>
+            <a:r>
+              <a:rPr lang="en-US" dirty="0" err="1"/>
+              <a:t>Sadece</a:t>
+            </a:r>
+            <a:r>
+              <a:rPr lang="en-US" dirty="0"/>
+              <a:t> </a:t>
+            </a:r>
+            <a:r>
+              <a:rPr lang="en-US" dirty="0" err="1"/>
+              <a:t>insan</a:t>
+            </a:r>
+            <a:r>
+              <a:rPr lang="en-US" dirty="0"/>
+              <a:t> </a:t>
+            </a:r>
+            <a:r>
+              <a:rPr lang="en-US" dirty="0" err="1"/>
+              <a:t>olan</a:t>
+            </a:r>
+            <a:r>
+              <a:rPr lang="en-US" dirty="0"/>
+              <a:t> </a:t>
+            </a:r>
+            <a:r>
+              <a:rPr lang="en-US" dirty="0" err="1"/>
+              <a:t>bölgelerde</a:t>
+            </a:r>
+            <a:r>
+              <a:rPr lang="en-US" dirty="0"/>
+              <a:t> Alpha = 255 (tam </a:t>
+            </a:r>
+            <a:r>
+              <a:rPr lang="en-US" dirty="0" err="1"/>
+              <a:t>görünür</a:t>
+            </a:r>
+            <a:r>
+              <a:rPr lang="en-US" dirty="0"/>
+              <a:t>), </a:t>
+            </a:r>
+            <a:r>
+              <a:rPr lang="en-US" dirty="0" err="1"/>
+              <a:t>diğer</a:t>
+            </a:r>
+            <a:r>
+              <a:rPr lang="en-US" dirty="0"/>
+              <a:t> </a:t>
+            </a:r>
+            <a:r>
+              <a:rPr lang="en-US" dirty="0" err="1"/>
+              <a:t>bölgeler</a:t>
+            </a:r>
+            <a:r>
+              <a:rPr lang="en-US" dirty="0"/>
+              <a:t> Alpha = 0 (</a:t>
+            </a:r>
+            <a:r>
+              <a:rPr lang="en-US" dirty="0" err="1"/>
+              <a:t>tamamen</a:t>
+            </a:r>
+            <a:r>
+              <a:rPr lang="en-US" dirty="0"/>
+              <a:t> </a:t>
+            </a:r>
+            <a:r>
+              <a:rPr lang="en-US" dirty="0" err="1"/>
+              <a:t>saydam</a:t>
+            </a:r>
+            <a:r>
+              <a:rPr lang="en-US" dirty="0"/>
+              <a:t>) </a:t>
+            </a:r>
+            <a:r>
+              <a:rPr lang="en-US" dirty="0" err="1"/>
+              <a:t>yapılır</a:t>
+            </a:r>
+            <a:r>
+              <a:rPr lang="en-US" dirty="0"/>
+              <a:t>.</a:t>
+            </a:r>
+          </a:p>
+          <a:p>
+            <a:r>
+              <a:rPr lang="en-US" dirty="0"/>
+              <a:t>Bu </a:t>
+            </a:r>
+            <a:r>
+              <a:rPr lang="en-US" dirty="0" err="1"/>
+              <a:t>sayede</a:t>
+            </a:r>
+            <a:r>
+              <a:rPr lang="en-US" dirty="0"/>
+              <a:t> </a:t>
+            </a:r>
+            <a:r>
+              <a:rPr lang="en-US" dirty="0" err="1"/>
+              <a:t>kişi</a:t>
+            </a:r>
+            <a:r>
+              <a:rPr lang="en-US" dirty="0"/>
+              <a:t> </a:t>
+            </a:r>
+            <a:r>
+              <a:rPr lang="en-US" dirty="0" err="1"/>
+              <a:t>dışındaki</a:t>
+            </a:r>
+            <a:r>
+              <a:rPr lang="en-US" dirty="0"/>
+              <a:t> </a:t>
+            </a:r>
+            <a:r>
+              <a:rPr lang="en-US" dirty="0" err="1"/>
+              <a:t>arka</a:t>
+            </a:r>
+            <a:r>
+              <a:rPr lang="en-US" dirty="0"/>
+              <a:t> plan </a:t>
+            </a:r>
+            <a:r>
+              <a:rPr lang="en-US" dirty="0" err="1"/>
+              <a:t>görünmez</a:t>
+            </a:r>
+            <a:r>
+              <a:rPr lang="en-US" dirty="0"/>
+              <a:t> </a:t>
+            </a:r>
+            <a:r>
+              <a:rPr lang="en-US" dirty="0" err="1"/>
+              <a:t>olur</a:t>
+            </a:r>
+            <a:r>
+              <a:rPr lang="en-US" dirty="0"/>
+              <a:t>.</a:t>
+            </a:r>
+          </a:p>
+        </p:txBody>
+      </p:sp>
+      <p:pic>
+        <p:nvPicPr>
+          <p:cNvPr id="7" name="Resim 6" descr="metin, yazı tipi, ekran görüntüsü içeren bir resim&#10;&#10;Yapay zeka tarafından oluşturulan içerik yanlış olabilir.">
+            <a:extLst>
+              <a:ext uri="{FF2B5EF4-FFF2-40B4-BE49-F238E27FC236}">
+                <a16:creationId xmlns:a16="http://schemas.microsoft.com/office/drawing/2014/main" id="{A9006FB2-0073-A1C9-BEF2-2B9A265737D4}"/>
+              </a:ext>
+            </a:extLst>
+          </p:cNvPr>
+          <p:cNvPicPr>
+            <a:picLocks noChangeAspect="1"/>
+          </p:cNvPicPr>
+          <p:nvPr/>
+        </p:nvPicPr>
+        <p:blipFill>
+          <a:blip r:embed="rId2">
+            <a:extLst>
+              <a:ext uri="{28A0092B-C50C-407E-A947-70E740481C1C}">
+                <a14:useLocalDpi xmlns:a14="http://schemas.microsoft.com/office/drawing/2010/main" val="0"/>
+              </a:ext>
+            </a:extLst>
+          </a:blip>
+          <a:stretch>
+            <a:fillRect/>
+          </a:stretch>
+        </p:blipFill>
+        <p:spPr>
+          <a:xfrm>
+            <a:off x="2685526" y="2716086"/>
+            <a:ext cx="4772691" cy="895475"/>
+          </a:xfrm>
+          <a:prstGeom prst="rect">
+            <a:avLst/>
+          </a:prstGeom>
+        </p:spPr>
+      </p:pic>
+    </p:spTree>
+    <p:extLst>
+      <p:ext uri="{BB962C8B-B14F-4D97-AF65-F5344CB8AC3E}">
+        <p14:creationId xmlns:p14="http://schemas.microsoft.com/office/powerpoint/2010/main" val="451519"/>
+      </p:ext>
+    </p:extLst>
+  </p:cSld>
+  <p:clrMapOvr>
+    <a:masterClrMapping/>
+  </p:clrMapOvr>
+</p:sld>
+</file>
+
+<file path=ppt/slides/slide19.xml><?xml version="1.0" encoding="utf-8"?>
+<p:sld xmlns:a="http://schemas.openxmlformats.org/drawingml/2006/main" xmlns:r="http://schemas.openxmlformats.org/officeDocument/2006/relationships" xmlns:p="http://schemas.openxmlformats.org/presentationml/2006/main">
+  <p:cSld>
+    <p:spTree>
+      <p:nvGrpSpPr>
+        <p:cNvPr id="1" name=""/>
+        <p:cNvGrpSpPr/>
+        <p:nvPr/>
+      </p:nvGrpSpPr>
+      <p:grpSpPr>
+        <a:xfrm>
+          <a:off x="0" y="0"/>
+          <a:ext cx="0" cy="0"/>
+          <a:chOff x="0" y="0"/>
+          <a:chExt cx="0" cy="0"/>
+        </a:xfrm>
+      </p:grpSpPr>
+      <p:sp>
+        <p:nvSpPr>
+          <p:cNvPr id="2" name="Başlık 1">
+            <a:extLst>
+              <a:ext uri="{FF2B5EF4-FFF2-40B4-BE49-F238E27FC236}">
+                <a16:creationId xmlns:a16="http://schemas.microsoft.com/office/drawing/2014/main" id="{986230F9-96EB-72B4-07A1-7A1C1AC2ECB9}"/>
+              </a:ext>
+            </a:extLst>
+          </p:cNvPr>
+          <p:cNvSpPr>
+            <a:spLocks noGrp="1"/>
+          </p:cNvSpPr>
+          <p:nvPr>
+            <p:ph type="title"/>
+          </p:nvPr>
+        </p:nvSpPr>
+        <p:spPr/>
+        <p:txBody>
+          <a:bodyPr/>
+          <a:lstStyle/>
+          <a:p>
+            <a:r>
+              <a:rPr lang="en-US" dirty="0"/>
+              <a:t>DeepLabV3+ </a:t>
+            </a:r>
+            <a:r>
+              <a:rPr lang="tr-TR" dirty="0"/>
+              <a:t>İle </a:t>
+            </a:r>
+            <a:r>
+              <a:rPr lang="en-US" dirty="0"/>
+              <a:t>Mini </a:t>
+            </a:r>
+            <a:r>
+              <a:rPr lang="en-US" dirty="0" err="1"/>
+              <a:t>Proje</a:t>
+            </a:r>
+            <a:r>
+              <a:rPr lang="en-US" dirty="0"/>
+              <a:t>: Arka Plan </a:t>
+            </a:r>
+            <a:r>
+              <a:rPr lang="en-US" dirty="0" err="1"/>
+              <a:t>Değiştirici</a:t>
+            </a:r>
+            <a:endParaRPr lang="en-US" dirty="0"/>
+          </a:p>
+        </p:txBody>
+      </p:sp>
+      <p:sp>
+        <p:nvSpPr>
+          <p:cNvPr id="3" name="İçerik Yer Tutucusu 2">
+            <a:extLst>
+              <a:ext uri="{FF2B5EF4-FFF2-40B4-BE49-F238E27FC236}">
+                <a16:creationId xmlns:a16="http://schemas.microsoft.com/office/drawing/2014/main" id="{43E6EF5B-60EB-D676-CF1D-F926610D40A1}"/>
+              </a:ext>
+            </a:extLst>
+          </p:cNvPr>
+          <p:cNvSpPr>
+            <a:spLocks noGrp="1"/>
+          </p:cNvSpPr>
+          <p:nvPr>
+            <p:ph idx="1"/>
+          </p:nvPr>
+        </p:nvSpPr>
+        <p:spPr/>
+        <p:txBody>
+          <a:bodyPr/>
+          <a:lstStyle/>
+          <a:p>
+            <a:pPr marL="0" indent="0">
+              <a:buNone/>
+            </a:pPr>
+            <a:r>
+              <a:rPr lang="en-US" dirty="0"/>
+              <a:t>Arka Plan </a:t>
+            </a:r>
+            <a:r>
+              <a:rPr lang="en-US" dirty="0" err="1"/>
+              <a:t>Değiştirme</a:t>
+            </a:r>
+            <a:endParaRPr lang="en-US" dirty="0"/>
+          </a:p>
+          <a:p>
+            <a:pPr marL="0" indent="0">
+              <a:buNone/>
+            </a:pPr>
+            <a:endParaRPr lang="en-US" dirty="0"/>
+          </a:p>
+          <a:p>
+            <a:pPr marL="0" indent="0">
+              <a:buNone/>
+            </a:pPr>
+            <a:endParaRPr lang="en-US" dirty="0"/>
+          </a:p>
+          <a:p>
+            <a:endParaRPr lang="en-US" dirty="0"/>
+          </a:p>
+          <a:p>
+            <a:r>
+              <a:rPr lang="en-US" dirty="0"/>
+              <a:t>Maske </a:t>
+            </a:r>
+            <a:r>
+              <a:rPr lang="en-US" dirty="0" err="1"/>
+              <a:t>üç</a:t>
+            </a:r>
+            <a:r>
+              <a:rPr lang="en-US" dirty="0"/>
+              <a:t> </a:t>
+            </a:r>
+            <a:r>
+              <a:rPr lang="en-US" dirty="0" err="1"/>
+              <a:t>kanal</a:t>
+            </a:r>
+            <a:r>
+              <a:rPr lang="en-US" dirty="0"/>
+              <a:t> </a:t>
+            </a:r>
+            <a:r>
+              <a:rPr lang="en-US" dirty="0" err="1"/>
+              <a:t>haline</a:t>
+            </a:r>
+            <a:r>
+              <a:rPr lang="en-US" dirty="0"/>
+              <a:t> </a:t>
+            </a:r>
+            <a:r>
+              <a:rPr lang="en-US" dirty="0" err="1"/>
+              <a:t>getirilir</a:t>
+            </a:r>
+            <a:r>
+              <a:rPr lang="en-US" dirty="0"/>
+              <a:t> (R, G, B </a:t>
+            </a:r>
+            <a:r>
+              <a:rPr lang="en-US" dirty="0" err="1"/>
+              <a:t>için</a:t>
+            </a:r>
+            <a:r>
+              <a:rPr lang="en-US" dirty="0"/>
+              <a:t>).</a:t>
+            </a:r>
+          </a:p>
+          <a:p>
+            <a:r>
+              <a:rPr lang="en-US" dirty="0"/>
+              <a:t>Eski </a:t>
+            </a:r>
+            <a:r>
+              <a:rPr lang="en-US" dirty="0" err="1"/>
+              <a:t>görseldeki</a:t>
+            </a:r>
+            <a:r>
+              <a:rPr lang="en-US" dirty="0"/>
+              <a:t> </a:t>
+            </a:r>
+            <a:r>
+              <a:rPr lang="en-US" dirty="0" err="1"/>
+              <a:t>insan</a:t>
+            </a:r>
+            <a:r>
+              <a:rPr lang="en-US" dirty="0"/>
+              <a:t> </a:t>
+            </a:r>
+            <a:r>
+              <a:rPr lang="en-US" dirty="0" err="1"/>
+              <a:t>bölgesi</a:t>
+            </a:r>
+            <a:r>
+              <a:rPr lang="en-US" dirty="0"/>
+              <a:t> </a:t>
+            </a:r>
+            <a:r>
+              <a:rPr lang="en-US" dirty="0" err="1"/>
+              <a:t>bırakılır</a:t>
+            </a:r>
+            <a:r>
+              <a:rPr lang="en-US" dirty="0"/>
+              <a:t> (</a:t>
+            </a:r>
+            <a:r>
+              <a:rPr lang="en-US" dirty="0" err="1"/>
+              <a:t>gorsel</a:t>
+            </a:r>
+            <a:r>
+              <a:rPr lang="en-US" dirty="0"/>
+              <a:t> * maske_3d)</a:t>
+            </a:r>
+          </a:p>
+          <a:p>
+            <a:r>
+              <a:rPr lang="en-US" dirty="0" err="1"/>
+              <a:t>Diğer</a:t>
+            </a:r>
+            <a:r>
+              <a:rPr lang="en-US" dirty="0"/>
+              <a:t> </a:t>
+            </a:r>
+            <a:r>
+              <a:rPr lang="en-US" dirty="0" err="1"/>
+              <a:t>tüm</a:t>
+            </a:r>
+            <a:r>
+              <a:rPr lang="en-US" dirty="0"/>
+              <a:t> </a:t>
+            </a:r>
+            <a:r>
+              <a:rPr lang="en-US" dirty="0" err="1"/>
+              <a:t>pikseller</a:t>
+            </a:r>
+            <a:r>
+              <a:rPr lang="en-US" dirty="0"/>
+              <a:t> yeni </a:t>
+            </a:r>
+            <a:r>
+              <a:rPr lang="en-US" dirty="0" err="1"/>
+              <a:t>arka</a:t>
+            </a:r>
+            <a:r>
+              <a:rPr lang="en-US" dirty="0"/>
+              <a:t> </a:t>
+            </a:r>
+            <a:r>
+              <a:rPr lang="en-US" dirty="0" err="1"/>
+              <a:t>planla</a:t>
+            </a:r>
+            <a:r>
+              <a:rPr lang="en-US" dirty="0"/>
+              <a:t> </a:t>
+            </a:r>
+            <a:r>
+              <a:rPr lang="en-US" dirty="0" err="1"/>
+              <a:t>doldurulur</a:t>
+            </a:r>
+            <a:r>
+              <a:rPr lang="en-US" dirty="0"/>
+              <a:t> (</a:t>
+            </a:r>
+            <a:r>
+              <a:rPr lang="en-US" dirty="0" err="1"/>
+              <a:t>yeni_arkaplan</a:t>
+            </a:r>
+            <a:r>
+              <a:rPr lang="en-US" dirty="0"/>
+              <a:t> * (1 - mask_3d))</a:t>
+            </a:r>
+          </a:p>
+          <a:p>
+            <a:pPr marL="0" indent="0">
+              <a:buNone/>
+            </a:pPr>
+            <a:r>
+              <a:rPr lang="en-US" dirty="0" err="1"/>
+              <a:t>Sonuç</a:t>
+            </a:r>
+            <a:r>
+              <a:rPr lang="en-US" dirty="0"/>
+              <a:t> </a:t>
+            </a:r>
+            <a:r>
+              <a:rPr lang="en-US" dirty="0" err="1"/>
+              <a:t>olarak</a:t>
+            </a:r>
+            <a:r>
+              <a:rPr lang="en-US" dirty="0"/>
+              <a:t>, </a:t>
+            </a:r>
+            <a:r>
+              <a:rPr lang="en-US" dirty="0" err="1"/>
+              <a:t>fotoğraftaki</a:t>
+            </a:r>
+            <a:r>
+              <a:rPr lang="en-US" dirty="0"/>
+              <a:t> </a:t>
+            </a:r>
+            <a:r>
+              <a:rPr lang="en-US" dirty="0" err="1"/>
+              <a:t>insan</a:t>
+            </a:r>
+            <a:r>
+              <a:rPr lang="en-US" dirty="0"/>
+              <a:t> </a:t>
+            </a:r>
+            <a:r>
+              <a:rPr lang="en-US" dirty="0" err="1"/>
+              <a:t>dışındaki</a:t>
+            </a:r>
+            <a:r>
+              <a:rPr lang="en-US" dirty="0"/>
+              <a:t> </a:t>
+            </a:r>
+            <a:r>
+              <a:rPr lang="en-US" dirty="0" err="1"/>
+              <a:t>tüm</a:t>
+            </a:r>
+            <a:r>
+              <a:rPr lang="en-US" dirty="0"/>
+              <a:t> </a:t>
+            </a:r>
+            <a:r>
+              <a:rPr lang="en-US" dirty="0" err="1"/>
+              <a:t>nesneler</a:t>
+            </a:r>
+            <a:r>
+              <a:rPr lang="en-US" dirty="0"/>
+              <a:t> </a:t>
+            </a:r>
+            <a:r>
+              <a:rPr lang="en-US" dirty="0" err="1"/>
+              <a:t>kaldırılır</a:t>
+            </a:r>
+            <a:r>
+              <a:rPr lang="en-US" dirty="0"/>
+              <a:t> </a:t>
+            </a:r>
+            <a:r>
+              <a:rPr lang="en-US" dirty="0" err="1"/>
+              <a:t>ve</a:t>
+            </a:r>
+            <a:r>
+              <a:rPr lang="en-US" dirty="0"/>
+              <a:t> </a:t>
+            </a:r>
+            <a:r>
+              <a:rPr lang="en-US" dirty="0" err="1"/>
+              <a:t>seçilen</a:t>
+            </a:r>
+            <a:r>
+              <a:rPr lang="en-US" dirty="0"/>
+              <a:t> yeni </a:t>
+            </a:r>
+            <a:r>
+              <a:rPr lang="en-US" dirty="0" err="1"/>
+              <a:t>arka</a:t>
+            </a:r>
+            <a:r>
+              <a:rPr lang="en-US" dirty="0"/>
+              <a:t> plan </a:t>
+            </a:r>
+            <a:r>
+              <a:rPr lang="en-US" dirty="0" err="1"/>
+              <a:t>ile</a:t>
+            </a:r>
+            <a:r>
+              <a:rPr lang="en-US" dirty="0"/>
+              <a:t> </a:t>
+            </a:r>
+            <a:r>
+              <a:rPr lang="en-US" dirty="0" err="1"/>
+              <a:t>birleştirilerek</a:t>
+            </a:r>
+            <a:r>
+              <a:rPr lang="en-US" dirty="0"/>
+              <a:t> yeni </a:t>
+            </a:r>
+            <a:r>
+              <a:rPr lang="en-US" dirty="0" err="1"/>
+              <a:t>bir</a:t>
+            </a:r>
+            <a:r>
+              <a:rPr lang="en-US" dirty="0"/>
+              <a:t> </a:t>
+            </a:r>
+            <a:r>
+              <a:rPr lang="en-US" dirty="0" err="1"/>
+              <a:t>görüntü</a:t>
+            </a:r>
+            <a:r>
+              <a:rPr lang="en-US" dirty="0"/>
+              <a:t> </a:t>
+            </a:r>
+            <a:r>
+              <a:rPr lang="en-US" dirty="0" err="1"/>
+              <a:t>oluşturulur</a:t>
+            </a:r>
+            <a:r>
+              <a:rPr lang="en-US" dirty="0"/>
+              <a:t>."</a:t>
+            </a:r>
+          </a:p>
+        </p:txBody>
+      </p:sp>
+      <p:pic>
+        <p:nvPicPr>
+          <p:cNvPr id="5" name="Resim 4">
+            <a:extLst>
+              <a:ext uri="{FF2B5EF4-FFF2-40B4-BE49-F238E27FC236}">
+                <a16:creationId xmlns:a16="http://schemas.microsoft.com/office/drawing/2014/main" id="{3F48D403-1168-EDDE-746B-C2ACBD897191}"/>
+              </a:ext>
+            </a:extLst>
+          </p:cNvPr>
+          <p:cNvPicPr>
+            <a:picLocks noChangeAspect="1"/>
+          </p:cNvPicPr>
+          <p:nvPr/>
+        </p:nvPicPr>
+        <p:blipFill>
+          <a:blip r:embed="rId2">
+            <a:extLst>
+              <a:ext uri="{28A0092B-C50C-407E-A947-70E740481C1C}">
+                <a14:useLocalDpi xmlns:a14="http://schemas.microsoft.com/office/drawing/2010/main" val="0"/>
+              </a:ext>
+            </a:extLst>
+          </a:blip>
+          <a:stretch>
+            <a:fillRect/>
+          </a:stretch>
+        </p:blipFill>
+        <p:spPr>
+          <a:xfrm>
+            <a:off x="2691070" y="2685946"/>
+            <a:ext cx="7230484" cy="743054"/>
+          </a:xfrm>
+          <a:prstGeom prst="rect">
+            <a:avLst/>
+          </a:prstGeom>
+        </p:spPr>
+      </p:pic>
+    </p:spTree>
+    <p:extLst>
+      <p:ext uri="{BB962C8B-B14F-4D97-AF65-F5344CB8AC3E}">
+        <p14:creationId xmlns:p14="http://schemas.microsoft.com/office/powerpoint/2010/main" val="3953468578"/>
       </p:ext>
     </p:extLst>
   </p:cSld>
@@ -9247,6 +11080,90 @@
 </p:sld>
 </file>
 
+<file path=ppt/slides/slide20.xml><?xml version="1.0" encoding="utf-8"?>
+<p:sld xmlns:a="http://schemas.openxmlformats.org/drawingml/2006/main" xmlns:r="http://schemas.openxmlformats.org/officeDocument/2006/relationships" xmlns:p="http://schemas.openxmlformats.org/presentationml/2006/main">
+  <p:cSld>
+    <p:spTree>
+      <p:nvGrpSpPr>
+        <p:cNvPr id="1" name=""/>
+        <p:cNvGrpSpPr/>
+        <p:nvPr/>
+      </p:nvGrpSpPr>
+      <p:grpSpPr>
+        <a:xfrm>
+          <a:off x="0" y="0"/>
+          <a:ext cx="0" cy="0"/>
+          <a:chOff x="0" y="0"/>
+          <a:chExt cx="0" cy="0"/>
+        </a:xfrm>
+      </p:grpSpPr>
+      <p:sp>
+        <p:nvSpPr>
+          <p:cNvPr id="3" name="İçerik Yer Tutucusu 2">
+            <a:extLst>
+              <a:ext uri="{FF2B5EF4-FFF2-40B4-BE49-F238E27FC236}">
+                <a16:creationId xmlns:a16="http://schemas.microsoft.com/office/drawing/2014/main" id="{8E6AAC6F-2D29-DA11-F272-1BEDCC018F63}"/>
+              </a:ext>
+            </a:extLst>
+          </p:cNvPr>
+          <p:cNvSpPr>
+            <a:spLocks noGrp="1"/>
+          </p:cNvSpPr>
+          <p:nvPr>
+            <p:ph idx="1"/>
+          </p:nvPr>
+        </p:nvSpPr>
+        <p:spPr>
+          <a:xfrm>
+            <a:off x="1638300" y="1540189"/>
+            <a:ext cx="8915400" cy="3777622"/>
+          </a:xfrm>
+        </p:spPr>
+        <p:txBody>
+          <a:bodyPr/>
+          <a:lstStyle/>
+          <a:p>
+            <a:pPr marL="0" indent="0">
+              <a:buNone/>
+            </a:pPr>
+            <a:endParaRPr lang="en-US" dirty="0"/>
+          </a:p>
+          <a:p>
+            <a:pPr marL="0" indent="0">
+              <a:buNone/>
+            </a:pPr>
+            <a:endParaRPr lang="en-US" dirty="0"/>
+          </a:p>
+          <a:p>
+            <a:pPr marL="0" indent="0">
+              <a:buNone/>
+            </a:pPr>
+            <a:endParaRPr lang="en-US" dirty="0"/>
+          </a:p>
+          <a:p>
+            <a:pPr marL="0" indent="0">
+              <a:buNone/>
+            </a:pPr>
+            <a:r>
+              <a:rPr lang="en-US" sz="9600" dirty="0"/>
+              <a:t>						 SON</a:t>
+            </a:r>
+          </a:p>
+        </p:txBody>
+      </p:sp>
+    </p:spTree>
+    <p:extLst>
+      <p:ext uri="{BB962C8B-B14F-4D97-AF65-F5344CB8AC3E}">
+        <p14:creationId xmlns:p14="http://schemas.microsoft.com/office/powerpoint/2010/main" val="2156280709"/>
+      </p:ext>
+    </p:extLst>
+  </p:cSld>
+  <p:clrMapOvr>
+    <a:masterClrMapping/>
+  </p:clrMapOvr>
+</p:sld>
+</file>
+
 <file path=ppt/slides/slide3.xml><?xml version="1.0" encoding="utf-8"?>
 <p:sld xmlns:a="http://schemas.openxmlformats.org/drawingml/2006/main" xmlns:r="http://schemas.openxmlformats.org/officeDocument/2006/relationships" xmlns:p="http://schemas.openxmlformats.org/presentationml/2006/main">
   <p:cSld>
@@ -9462,22 +11379,6 @@
             </a:r>
             <a:r>
               <a:rPr lang="en-US" dirty="0" err="1"/>
-              <a:t>dilatasyonlu</a:t>
-            </a:r>
-            <a:r>
-              <a:rPr lang="en-US" dirty="0"/>
-              <a:t> </a:t>
-            </a:r>
-            <a:r>
-              <a:rPr lang="en-US" dirty="0" err="1"/>
-              <a:t>evrişimlerle</a:t>
-            </a:r>
-            <a:r>
-              <a:rPr lang="en-US" dirty="0"/>
-              <a:t> </a:t>
-            </a:r>
-            <a:r>
-              <a:rPr lang="en-US" dirty="0" err="1"/>
               <a:t>hassas</a:t>
             </a:r>
             <a:r>
@@ -9660,7 +11561,7 @@
             </a:r>
             <a:r>
               <a:rPr lang="en-US" dirty="0"/>
-              <a:t>u y </a:t>
+              <a:t>u </a:t>
             </a:r>
             <a:r>
               <a:rPr lang="en-US" dirty="0" err="1"/>
@@ -11464,10 +13365,6 @@
           <a:p>
             <a:pPr lvl="1"/>
             <a:r>
-              <a:rPr lang="en-US" dirty="0"/>
-              <a:t> </a:t>
-            </a:r>
-            <a:r>
               <a:rPr lang="en-US" dirty="0" err="1"/>
               <a:t>Köprü</a:t>
             </a:r>
@@ -11506,8 +13403,12 @@
           <a:p>
             <a:pPr lvl="1"/>
             <a:r>
-              <a:rPr lang="en-US" dirty="0"/>
-              <a:t> At (Horse),			</a:t>
+              <a:rPr lang="en-US"/>
+              <a:t>At </a:t>
+            </a:r>
+            <a:r>
+              <a:rPr lang="en-US" dirty="0"/>
+              <a:t>(Horse),			</a:t>
             </a:r>
             <a:r>
               <a:rPr lang="en-US" dirty="0" err="1"/>
